--- a/slides/LLMs/NLP for CI design.pptx
+++ b/slides/LLMs/NLP for CI design.pptx
@@ -5,10 +5,10 @@
     <p:sldMasterId id="2147483648" r:id="rId1"/>
   </p:sldMasterIdLst>
   <p:notesMasterIdLst>
-    <p:notesMasterId r:id="rId42"/>
+    <p:notesMasterId r:id="rId18"/>
   </p:notesMasterIdLst>
   <p:handoutMasterIdLst>
-    <p:handoutMasterId r:id="rId43"/>
+    <p:handoutMasterId r:id="rId19"/>
   </p:handoutMasterIdLst>
   <p:sldIdLst>
     <p:sldId id="256" r:id="rId3"/>
@@ -25,31 +25,7 @@
     <p:sldId id="1570" r:id="rId14"/>
     <p:sldId id="1571" r:id="rId15"/>
     <p:sldId id="1572" r:id="rId16"/>
-    <p:sldId id="1573" r:id="rId17"/>
-    <p:sldId id="1574" r:id="rId18"/>
-    <p:sldId id="1575" r:id="rId19"/>
-    <p:sldId id="1576" r:id="rId20"/>
-    <p:sldId id="1577" r:id="rId21"/>
-    <p:sldId id="1578" r:id="rId22"/>
-    <p:sldId id="1579" r:id="rId23"/>
-    <p:sldId id="1580" r:id="rId24"/>
-    <p:sldId id="1581" r:id="rId25"/>
-    <p:sldId id="1582" r:id="rId26"/>
-    <p:sldId id="1583" r:id="rId27"/>
-    <p:sldId id="1584" r:id="rId28"/>
-    <p:sldId id="1585" r:id="rId29"/>
-    <p:sldId id="1586" r:id="rId30"/>
-    <p:sldId id="1587" r:id="rId31"/>
-    <p:sldId id="1588" r:id="rId32"/>
-    <p:sldId id="1589" r:id="rId33"/>
-    <p:sldId id="1590" r:id="rId34"/>
-    <p:sldId id="1591" r:id="rId35"/>
-    <p:sldId id="1592" r:id="rId36"/>
-    <p:sldId id="1593" r:id="rId37"/>
-    <p:sldId id="1594" r:id="rId38"/>
-    <p:sldId id="1595" r:id="rId39"/>
-    <p:sldId id="1596" r:id="rId40"/>
-    <p:sldId id="1315" r:id="rId41"/>
+    <p:sldId id="1597" r:id="rId17"/>
   </p:sldIdLst>
   <p:sldSz cx="12192000" cy="6858000"/>
   <p:notesSz cx="6858000" cy="9144000"/>
@@ -3817,7 +3793,7 @@
             </a:r>
             <a:r>
               <a:rPr lang="en-US" altLang="en-GB"/>
-              <a:t> Contract &amp; Vendor Risk Assessment: Identify weak links in the supply chain.</a:t>
+              <a:t>  Contract &amp; Vendor Risk Assessment: Identify weak links in the supply chain.</a:t>
             </a:r>
             <a:endParaRPr lang="en-US" altLang="en-GB"/>
           </a:p>
@@ -3829,7 +3805,7 @@
             </a:r>
             <a:r>
               <a:rPr lang="en-US" altLang="en-GB"/>
-              <a:t> Insider Threat Analysis: Detect suspicious employee behavior through email &amp; chat logs.</a:t>
+              <a:t>  Insider Threat Analysis: Detect suspicious employee behavior through email &amp; chat logs.</a:t>
             </a:r>
             <a:endParaRPr lang="en-US" altLang="en-GB"/>
           </a:p>
@@ -3841,7 +3817,7 @@
             </a:r>
             <a:r>
               <a:rPr lang="en-US" altLang="en-GB"/>
-              <a:t> Fraud Detection: Identify anomalies in procurement and financial transactions.</a:t>
+              <a:t>  Fraud Detection: Identify anomalies in procurement and financial transactions.</a:t>
             </a:r>
             <a:endParaRPr lang="en-US" altLang="en-GB"/>
           </a:p>
@@ -3918,10 +3894,15 @@
             <p:ph idx="1"/>
           </p:nvPr>
         </p:nvSpPr>
-        <p:spPr/>
+        <p:spPr>
+          <a:xfrm>
+            <a:off x="838200" y="1825625"/>
+            <a:ext cx="10515600" cy="4766310"/>
+          </a:xfrm>
+        </p:spPr>
         <p:txBody>
           <a:bodyPr>
-            <a:normAutofit fontScale="80000"/>
+            <a:normAutofit fontScale="90000"/>
           </a:bodyPr>
           <a:p>
             <a:r>
@@ -4006,9 +3987,6 @@
               <a:rPr lang="en-US" altLang="en-GB"/>
               <a:t>An oil refinery uses an NLP-powered AI system to analyze sensor logs and detect cyber-physical sabotage attempts.</a:t>
             </a:r>
-            <a:endParaRPr lang="en-US" altLang="en-GB"/>
-          </a:p>
-          <a:p>
             <a:endParaRPr lang="en-US" altLang="en-GB"/>
           </a:p>
         </p:txBody>
@@ -4063,10 +4041,15 @@
             <p:ph idx="1"/>
           </p:nvPr>
         </p:nvSpPr>
-        <p:spPr/>
+        <p:spPr>
+          <a:xfrm>
+            <a:off x="838200" y="1825625"/>
+            <a:ext cx="10515600" cy="4800600"/>
+          </a:xfrm>
+        </p:spPr>
         <p:txBody>
           <a:bodyPr>
-            <a:normAutofit fontScale="80000"/>
+            <a:normAutofit fontScale="90000"/>
           </a:bodyPr>
           <a:p>
             <a:r>
@@ -4197,7 +4180,7 @@
               <a:t>🛡</a:t>
             </a:r>
             <a:r>
-              <a:rPr lang="" altLang="en-US"/>
+              <a:rPr lang="en-US" altLang="en-US"/>
               <a:t>️</a:t>
             </a:r>
             <a:r>
@@ -4218,10 +4201,15 @@
             <p:ph idx="1"/>
           </p:nvPr>
         </p:nvSpPr>
-        <p:spPr/>
+        <p:spPr>
+          <a:xfrm>
+            <a:off x="483235" y="1563370"/>
+            <a:ext cx="10870565" cy="5213985"/>
+          </a:xfrm>
+        </p:spPr>
         <p:txBody>
           <a:bodyPr>
-            <a:normAutofit fontScale="70000"/>
+            <a:normAutofit fontScale="80000"/>
           </a:bodyPr>
           <a:p>
             <a:r>
@@ -4406,6 +4394,7 @@
             <a:endParaRPr lang="en-US" altLang="en-GB"/>
           </a:p>
           <a:p>
+            <a:pPr lvl="1"/>
             <a:r>
               <a:rPr lang="zh-CN" altLang="en-US"/>
               <a:t>🔹</a:t>
@@ -4417,6 +4406,7 @@
             <a:endParaRPr lang="en-US" altLang="en-GB"/>
           </a:p>
           <a:p>
+            <a:pPr lvl="1"/>
             <a:r>
               <a:rPr lang="zh-CN" altLang="en-US"/>
               <a:t>🔹</a:t>
@@ -4428,6 +4418,7 @@
             <a:endParaRPr lang="en-US" altLang="en-GB"/>
           </a:p>
           <a:p>
+            <a:pPr lvl="1"/>
             <a:r>
               <a:rPr lang="zh-CN" altLang="en-US"/>
               <a:t>🔹</a:t>
@@ -4449,1442 +4440,6 @@
 </file>
 
 <file path=ppt/slides/slide15.xml><?xml version="1.0" encoding="utf-8"?>
-<p:sld xmlns:a="http://schemas.openxmlformats.org/drawingml/2006/main" xmlns:r="http://schemas.openxmlformats.org/officeDocument/2006/relationships" xmlns:p="http://schemas.openxmlformats.org/presentationml/2006/main">
-  <p:cSld>
-    <p:spTree>
-      <p:nvGrpSpPr>
-        <p:cNvPr id="1" name=""/>
-        <p:cNvGrpSpPr/>
-        <p:nvPr/>
-      </p:nvGrpSpPr>
-      <p:grpSpPr/>
-      <p:sp>
-        <p:nvSpPr>
-          <p:cNvPr id="2" name="Title 1"/>
-          <p:cNvSpPr>
-            <a:spLocks noGrp="1"/>
-          </p:cNvSpPr>
-          <p:nvPr>
-            <p:ph type="title"/>
-          </p:nvPr>
-        </p:nvSpPr>
-        <p:spPr/>
-        <p:txBody>
-          <a:bodyPr/>
-          <a:p>
-            <a:endParaRPr lang="en-GB" altLang="en-US"/>
-          </a:p>
-        </p:txBody>
-      </p:sp>
-      <p:sp>
-        <p:nvSpPr>
-          <p:cNvPr id="3" name="Content Placeholder 2"/>
-          <p:cNvSpPr>
-            <a:spLocks noGrp="1"/>
-          </p:cNvSpPr>
-          <p:nvPr>
-            <p:ph idx="1"/>
-          </p:nvPr>
-        </p:nvSpPr>
-        <p:spPr/>
-        <p:txBody>
-          <a:bodyPr/>
-          <a:p>
-            <a:endParaRPr lang="en-GB" altLang="en-US"/>
-          </a:p>
-        </p:txBody>
-      </p:sp>
-    </p:spTree>
-  </p:cSld>
-  <p:clrMapOvr>
-    <a:masterClrMapping/>
-  </p:clrMapOvr>
-</p:sld>
-</file>
-
-<file path=ppt/slides/slide16.xml><?xml version="1.0" encoding="utf-8"?>
-<p:sld xmlns:a="http://schemas.openxmlformats.org/drawingml/2006/main" xmlns:r="http://schemas.openxmlformats.org/officeDocument/2006/relationships" xmlns:p="http://schemas.openxmlformats.org/presentationml/2006/main">
-  <p:cSld>
-    <p:spTree>
-      <p:nvGrpSpPr>
-        <p:cNvPr id="1" name=""/>
-        <p:cNvGrpSpPr/>
-        <p:nvPr/>
-      </p:nvGrpSpPr>
-      <p:grpSpPr/>
-      <p:sp>
-        <p:nvSpPr>
-          <p:cNvPr id="2" name="Title 1"/>
-          <p:cNvSpPr>
-            <a:spLocks noGrp="1"/>
-          </p:cNvSpPr>
-          <p:nvPr>
-            <p:ph type="title"/>
-          </p:nvPr>
-        </p:nvSpPr>
-        <p:spPr/>
-        <p:txBody>
-          <a:bodyPr/>
-          <a:p>
-            <a:endParaRPr lang="en-GB" altLang="en-US"/>
-          </a:p>
-        </p:txBody>
-      </p:sp>
-      <p:sp>
-        <p:nvSpPr>
-          <p:cNvPr id="3" name="Content Placeholder 2"/>
-          <p:cNvSpPr>
-            <a:spLocks noGrp="1"/>
-          </p:cNvSpPr>
-          <p:nvPr>
-            <p:ph idx="1"/>
-          </p:nvPr>
-        </p:nvSpPr>
-        <p:spPr/>
-        <p:txBody>
-          <a:bodyPr/>
-          <a:p>
-            <a:endParaRPr lang="en-GB" altLang="en-US"/>
-          </a:p>
-        </p:txBody>
-      </p:sp>
-    </p:spTree>
-  </p:cSld>
-  <p:clrMapOvr>
-    <a:masterClrMapping/>
-  </p:clrMapOvr>
-</p:sld>
-</file>
-
-<file path=ppt/slides/slide17.xml><?xml version="1.0" encoding="utf-8"?>
-<p:sld xmlns:a="http://schemas.openxmlformats.org/drawingml/2006/main" xmlns:r="http://schemas.openxmlformats.org/officeDocument/2006/relationships" xmlns:p="http://schemas.openxmlformats.org/presentationml/2006/main">
-  <p:cSld>
-    <p:spTree>
-      <p:nvGrpSpPr>
-        <p:cNvPr id="1" name=""/>
-        <p:cNvGrpSpPr/>
-        <p:nvPr/>
-      </p:nvGrpSpPr>
-      <p:grpSpPr/>
-      <p:sp>
-        <p:nvSpPr>
-          <p:cNvPr id="2" name="Title 1"/>
-          <p:cNvSpPr>
-            <a:spLocks noGrp="1"/>
-          </p:cNvSpPr>
-          <p:nvPr>
-            <p:ph type="title"/>
-          </p:nvPr>
-        </p:nvSpPr>
-        <p:spPr/>
-        <p:txBody>
-          <a:bodyPr/>
-          <a:p>
-            <a:endParaRPr lang="en-GB" altLang="en-US"/>
-          </a:p>
-        </p:txBody>
-      </p:sp>
-      <p:sp>
-        <p:nvSpPr>
-          <p:cNvPr id="3" name="Content Placeholder 2"/>
-          <p:cNvSpPr>
-            <a:spLocks noGrp="1"/>
-          </p:cNvSpPr>
-          <p:nvPr>
-            <p:ph idx="1"/>
-          </p:nvPr>
-        </p:nvSpPr>
-        <p:spPr/>
-        <p:txBody>
-          <a:bodyPr/>
-          <a:p>
-            <a:endParaRPr lang="en-GB" altLang="en-US"/>
-          </a:p>
-        </p:txBody>
-      </p:sp>
-    </p:spTree>
-  </p:cSld>
-  <p:clrMapOvr>
-    <a:masterClrMapping/>
-  </p:clrMapOvr>
-</p:sld>
-</file>
-
-<file path=ppt/slides/slide18.xml><?xml version="1.0" encoding="utf-8"?>
-<p:sld xmlns:a="http://schemas.openxmlformats.org/drawingml/2006/main" xmlns:r="http://schemas.openxmlformats.org/officeDocument/2006/relationships" xmlns:p="http://schemas.openxmlformats.org/presentationml/2006/main">
-  <p:cSld>
-    <p:spTree>
-      <p:nvGrpSpPr>
-        <p:cNvPr id="1" name=""/>
-        <p:cNvGrpSpPr/>
-        <p:nvPr/>
-      </p:nvGrpSpPr>
-      <p:grpSpPr/>
-      <p:sp>
-        <p:nvSpPr>
-          <p:cNvPr id="2" name="Title 1"/>
-          <p:cNvSpPr>
-            <a:spLocks noGrp="1"/>
-          </p:cNvSpPr>
-          <p:nvPr>
-            <p:ph type="title"/>
-          </p:nvPr>
-        </p:nvSpPr>
-        <p:spPr/>
-        <p:txBody>
-          <a:bodyPr/>
-          <a:p>
-            <a:endParaRPr lang="en-GB" altLang="en-US"/>
-          </a:p>
-        </p:txBody>
-      </p:sp>
-      <p:sp>
-        <p:nvSpPr>
-          <p:cNvPr id="3" name="Content Placeholder 2"/>
-          <p:cNvSpPr>
-            <a:spLocks noGrp="1"/>
-          </p:cNvSpPr>
-          <p:nvPr>
-            <p:ph idx="1"/>
-          </p:nvPr>
-        </p:nvSpPr>
-        <p:spPr/>
-        <p:txBody>
-          <a:bodyPr/>
-          <a:p>
-            <a:endParaRPr lang="en-GB" altLang="en-US"/>
-          </a:p>
-        </p:txBody>
-      </p:sp>
-    </p:spTree>
-  </p:cSld>
-  <p:clrMapOvr>
-    <a:masterClrMapping/>
-  </p:clrMapOvr>
-</p:sld>
-</file>
-
-<file path=ppt/slides/slide19.xml><?xml version="1.0" encoding="utf-8"?>
-<p:sld xmlns:a="http://schemas.openxmlformats.org/drawingml/2006/main" xmlns:r="http://schemas.openxmlformats.org/officeDocument/2006/relationships" xmlns:p="http://schemas.openxmlformats.org/presentationml/2006/main">
-  <p:cSld>
-    <p:spTree>
-      <p:nvGrpSpPr>
-        <p:cNvPr id="1" name=""/>
-        <p:cNvGrpSpPr/>
-        <p:nvPr/>
-      </p:nvGrpSpPr>
-      <p:grpSpPr/>
-      <p:sp>
-        <p:nvSpPr>
-          <p:cNvPr id="2" name="Title 1"/>
-          <p:cNvSpPr>
-            <a:spLocks noGrp="1"/>
-          </p:cNvSpPr>
-          <p:nvPr>
-            <p:ph type="title"/>
-          </p:nvPr>
-        </p:nvSpPr>
-        <p:spPr/>
-        <p:txBody>
-          <a:bodyPr/>
-          <a:p>
-            <a:endParaRPr lang="en-GB" altLang="en-US"/>
-          </a:p>
-        </p:txBody>
-      </p:sp>
-      <p:sp>
-        <p:nvSpPr>
-          <p:cNvPr id="3" name="Content Placeholder 2"/>
-          <p:cNvSpPr>
-            <a:spLocks noGrp="1"/>
-          </p:cNvSpPr>
-          <p:nvPr>
-            <p:ph idx="1"/>
-          </p:nvPr>
-        </p:nvSpPr>
-        <p:spPr/>
-        <p:txBody>
-          <a:bodyPr/>
-          <a:p>
-            <a:endParaRPr lang="en-GB" altLang="en-US"/>
-          </a:p>
-        </p:txBody>
-      </p:sp>
-    </p:spTree>
-  </p:cSld>
-  <p:clrMapOvr>
-    <a:masterClrMapping/>
-  </p:clrMapOvr>
-</p:sld>
-</file>
-
-<file path=ppt/slides/slide2.xml><?xml version="1.0" encoding="utf-8"?>
-<p:sld xmlns:a="http://schemas.openxmlformats.org/drawingml/2006/main" xmlns:r="http://schemas.openxmlformats.org/officeDocument/2006/relationships" xmlns:p="http://schemas.openxmlformats.org/presentationml/2006/main">
-  <p:cSld>
-    <p:spTree>
-      <p:nvGrpSpPr>
-        <p:cNvPr id="1" name=""/>
-        <p:cNvGrpSpPr/>
-        <p:nvPr/>
-      </p:nvGrpSpPr>
-      <p:grpSpPr/>
-      <p:sp>
-        <p:nvSpPr>
-          <p:cNvPr id="4" name="Title 3"/>
-          <p:cNvSpPr>
-            <a:spLocks noGrp="1"/>
-          </p:cNvSpPr>
-          <p:nvPr>
-            <p:ph type="title"/>
-          </p:nvPr>
-        </p:nvSpPr>
-        <p:spPr/>
-        <p:txBody>
-          <a:bodyPr/>
-          <a:p>
-            <a:r>
-              <a:rPr lang="en-US" altLang="en-GB" dirty="0">
-                <a:sym typeface="+mn-ea"/>
-              </a:rPr>
-              <a:t>NLP for for Critical Infrastructures CI Design</a:t>
-            </a:r>
-            <a:endParaRPr lang="en-US"/>
-          </a:p>
-        </p:txBody>
-      </p:sp>
-      <p:sp>
-        <p:nvSpPr>
-          <p:cNvPr id="5" name="Text Placeholder 4"/>
-          <p:cNvSpPr>
-            <a:spLocks noGrp="1"/>
-          </p:cNvSpPr>
-          <p:nvPr>
-            <p:ph type="body" idx="1"/>
-          </p:nvPr>
-        </p:nvSpPr>
-        <p:spPr/>
-        <p:txBody>
-          <a:bodyPr/>
-          <a:p>
-            <a:endParaRPr lang="en-US"/>
-          </a:p>
-        </p:txBody>
-      </p:sp>
-    </p:spTree>
-  </p:cSld>
-  <p:clrMapOvr>
-    <a:masterClrMapping/>
-  </p:clrMapOvr>
-</p:sld>
-</file>
-
-<file path=ppt/slides/slide20.xml><?xml version="1.0" encoding="utf-8"?>
-<p:sld xmlns:a="http://schemas.openxmlformats.org/drawingml/2006/main" xmlns:r="http://schemas.openxmlformats.org/officeDocument/2006/relationships" xmlns:p="http://schemas.openxmlformats.org/presentationml/2006/main">
-  <p:cSld>
-    <p:spTree>
-      <p:nvGrpSpPr>
-        <p:cNvPr id="1" name=""/>
-        <p:cNvGrpSpPr/>
-        <p:nvPr/>
-      </p:nvGrpSpPr>
-      <p:grpSpPr/>
-      <p:sp>
-        <p:nvSpPr>
-          <p:cNvPr id="2" name="Title 1"/>
-          <p:cNvSpPr>
-            <a:spLocks noGrp="1"/>
-          </p:cNvSpPr>
-          <p:nvPr>
-            <p:ph type="title"/>
-          </p:nvPr>
-        </p:nvSpPr>
-        <p:spPr/>
-        <p:txBody>
-          <a:bodyPr/>
-          <a:p>
-            <a:endParaRPr lang="en-GB" altLang="en-US"/>
-          </a:p>
-        </p:txBody>
-      </p:sp>
-      <p:sp>
-        <p:nvSpPr>
-          <p:cNvPr id="3" name="Content Placeholder 2"/>
-          <p:cNvSpPr>
-            <a:spLocks noGrp="1"/>
-          </p:cNvSpPr>
-          <p:nvPr>
-            <p:ph idx="1"/>
-          </p:nvPr>
-        </p:nvSpPr>
-        <p:spPr/>
-        <p:txBody>
-          <a:bodyPr/>
-          <a:p>
-            <a:endParaRPr lang="en-GB" altLang="en-US"/>
-          </a:p>
-        </p:txBody>
-      </p:sp>
-    </p:spTree>
-  </p:cSld>
-  <p:clrMapOvr>
-    <a:masterClrMapping/>
-  </p:clrMapOvr>
-</p:sld>
-</file>
-
-<file path=ppt/slides/slide21.xml><?xml version="1.0" encoding="utf-8"?>
-<p:sld xmlns:a="http://schemas.openxmlformats.org/drawingml/2006/main" xmlns:r="http://schemas.openxmlformats.org/officeDocument/2006/relationships" xmlns:p="http://schemas.openxmlformats.org/presentationml/2006/main">
-  <p:cSld>
-    <p:spTree>
-      <p:nvGrpSpPr>
-        <p:cNvPr id="1" name=""/>
-        <p:cNvGrpSpPr/>
-        <p:nvPr/>
-      </p:nvGrpSpPr>
-      <p:grpSpPr/>
-      <p:sp>
-        <p:nvSpPr>
-          <p:cNvPr id="2" name="Title 1"/>
-          <p:cNvSpPr>
-            <a:spLocks noGrp="1"/>
-          </p:cNvSpPr>
-          <p:nvPr>
-            <p:ph type="title"/>
-          </p:nvPr>
-        </p:nvSpPr>
-        <p:spPr/>
-        <p:txBody>
-          <a:bodyPr/>
-          <a:p>
-            <a:endParaRPr lang="en-GB" altLang="en-US"/>
-          </a:p>
-        </p:txBody>
-      </p:sp>
-      <p:sp>
-        <p:nvSpPr>
-          <p:cNvPr id="3" name="Content Placeholder 2"/>
-          <p:cNvSpPr>
-            <a:spLocks noGrp="1"/>
-          </p:cNvSpPr>
-          <p:nvPr>
-            <p:ph idx="1"/>
-          </p:nvPr>
-        </p:nvSpPr>
-        <p:spPr/>
-        <p:txBody>
-          <a:bodyPr/>
-          <a:p>
-            <a:endParaRPr lang="en-GB" altLang="en-US"/>
-          </a:p>
-        </p:txBody>
-      </p:sp>
-    </p:spTree>
-  </p:cSld>
-  <p:clrMapOvr>
-    <a:masterClrMapping/>
-  </p:clrMapOvr>
-</p:sld>
-</file>
-
-<file path=ppt/slides/slide22.xml><?xml version="1.0" encoding="utf-8"?>
-<p:sld xmlns:a="http://schemas.openxmlformats.org/drawingml/2006/main" xmlns:r="http://schemas.openxmlformats.org/officeDocument/2006/relationships" xmlns:p="http://schemas.openxmlformats.org/presentationml/2006/main">
-  <p:cSld>
-    <p:spTree>
-      <p:nvGrpSpPr>
-        <p:cNvPr id="1" name=""/>
-        <p:cNvGrpSpPr/>
-        <p:nvPr/>
-      </p:nvGrpSpPr>
-      <p:grpSpPr/>
-      <p:sp>
-        <p:nvSpPr>
-          <p:cNvPr id="2" name="Title 1"/>
-          <p:cNvSpPr>
-            <a:spLocks noGrp="1"/>
-          </p:cNvSpPr>
-          <p:nvPr>
-            <p:ph type="title"/>
-          </p:nvPr>
-        </p:nvSpPr>
-        <p:spPr/>
-        <p:txBody>
-          <a:bodyPr/>
-          <a:p>
-            <a:endParaRPr lang="en-GB" altLang="en-US"/>
-          </a:p>
-        </p:txBody>
-      </p:sp>
-      <p:sp>
-        <p:nvSpPr>
-          <p:cNvPr id="3" name="Content Placeholder 2"/>
-          <p:cNvSpPr>
-            <a:spLocks noGrp="1"/>
-          </p:cNvSpPr>
-          <p:nvPr>
-            <p:ph idx="1"/>
-          </p:nvPr>
-        </p:nvSpPr>
-        <p:spPr/>
-        <p:txBody>
-          <a:bodyPr/>
-          <a:p>
-            <a:endParaRPr lang="en-GB" altLang="en-US"/>
-          </a:p>
-        </p:txBody>
-      </p:sp>
-    </p:spTree>
-  </p:cSld>
-  <p:clrMapOvr>
-    <a:masterClrMapping/>
-  </p:clrMapOvr>
-</p:sld>
-</file>
-
-<file path=ppt/slides/slide23.xml><?xml version="1.0" encoding="utf-8"?>
-<p:sld xmlns:a="http://schemas.openxmlformats.org/drawingml/2006/main" xmlns:r="http://schemas.openxmlformats.org/officeDocument/2006/relationships" xmlns:p="http://schemas.openxmlformats.org/presentationml/2006/main">
-  <p:cSld>
-    <p:spTree>
-      <p:nvGrpSpPr>
-        <p:cNvPr id="1" name=""/>
-        <p:cNvGrpSpPr/>
-        <p:nvPr/>
-      </p:nvGrpSpPr>
-      <p:grpSpPr/>
-      <p:sp>
-        <p:nvSpPr>
-          <p:cNvPr id="2" name="Title 1"/>
-          <p:cNvSpPr>
-            <a:spLocks noGrp="1"/>
-          </p:cNvSpPr>
-          <p:nvPr>
-            <p:ph type="title"/>
-          </p:nvPr>
-        </p:nvSpPr>
-        <p:spPr/>
-        <p:txBody>
-          <a:bodyPr/>
-          <a:p>
-            <a:endParaRPr lang="en-GB" altLang="en-US"/>
-          </a:p>
-        </p:txBody>
-      </p:sp>
-      <p:sp>
-        <p:nvSpPr>
-          <p:cNvPr id="3" name="Content Placeholder 2"/>
-          <p:cNvSpPr>
-            <a:spLocks noGrp="1"/>
-          </p:cNvSpPr>
-          <p:nvPr>
-            <p:ph idx="1"/>
-          </p:nvPr>
-        </p:nvSpPr>
-        <p:spPr/>
-        <p:txBody>
-          <a:bodyPr/>
-          <a:p>
-            <a:endParaRPr lang="en-GB" altLang="en-US"/>
-          </a:p>
-        </p:txBody>
-      </p:sp>
-    </p:spTree>
-  </p:cSld>
-  <p:clrMapOvr>
-    <a:masterClrMapping/>
-  </p:clrMapOvr>
-</p:sld>
-</file>
-
-<file path=ppt/slides/slide24.xml><?xml version="1.0" encoding="utf-8"?>
-<p:sld xmlns:a="http://schemas.openxmlformats.org/drawingml/2006/main" xmlns:r="http://schemas.openxmlformats.org/officeDocument/2006/relationships" xmlns:p="http://schemas.openxmlformats.org/presentationml/2006/main">
-  <p:cSld>
-    <p:spTree>
-      <p:nvGrpSpPr>
-        <p:cNvPr id="1" name=""/>
-        <p:cNvGrpSpPr/>
-        <p:nvPr/>
-      </p:nvGrpSpPr>
-      <p:grpSpPr/>
-      <p:sp>
-        <p:nvSpPr>
-          <p:cNvPr id="2" name="Title 1"/>
-          <p:cNvSpPr>
-            <a:spLocks noGrp="1"/>
-          </p:cNvSpPr>
-          <p:nvPr>
-            <p:ph type="title"/>
-          </p:nvPr>
-        </p:nvSpPr>
-        <p:spPr/>
-        <p:txBody>
-          <a:bodyPr/>
-          <a:p>
-            <a:endParaRPr lang="en-GB" altLang="en-US"/>
-          </a:p>
-        </p:txBody>
-      </p:sp>
-      <p:sp>
-        <p:nvSpPr>
-          <p:cNvPr id="3" name="Content Placeholder 2"/>
-          <p:cNvSpPr>
-            <a:spLocks noGrp="1"/>
-          </p:cNvSpPr>
-          <p:nvPr>
-            <p:ph idx="1"/>
-          </p:nvPr>
-        </p:nvSpPr>
-        <p:spPr/>
-        <p:txBody>
-          <a:bodyPr/>
-          <a:p>
-            <a:endParaRPr lang="en-GB" altLang="en-US"/>
-          </a:p>
-        </p:txBody>
-      </p:sp>
-    </p:spTree>
-  </p:cSld>
-  <p:clrMapOvr>
-    <a:masterClrMapping/>
-  </p:clrMapOvr>
-</p:sld>
-</file>
-
-<file path=ppt/slides/slide25.xml><?xml version="1.0" encoding="utf-8"?>
-<p:sld xmlns:a="http://schemas.openxmlformats.org/drawingml/2006/main" xmlns:r="http://schemas.openxmlformats.org/officeDocument/2006/relationships" xmlns:p="http://schemas.openxmlformats.org/presentationml/2006/main">
-  <p:cSld>
-    <p:spTree>
-      <p:nvGrpSpPr>
-        <p:cNvPr id="1" name=""/>
-        <p:cNvGrpSpPr/>
-        <p:nvPr/>
-      </p:nvGrpSpPr>
-      <p:grpSpPr/>
-      <p:sp>
-        <p:nvSpPr>
-          <p:cNvPr id="2" name="Title 1"/>
-          <p:cNvSpPr>
-            <a:spLocks noGrp="1"/>
-          </p:cNvSpPr>
-          <p:nvPr>
-            <p:ph type="title"/>
-          </p:nvPr>
-        </p:nvSpPr>
-        <p:spPr/>
-        <p:txBody>
-          <a:bodyPr/>
-          <a:p>
-            <a:endParaRPr lang="en-GB" altLang="en-US"/>
-          </a:p>
-        </p:txBody>
-      </p:sp>
-      <p:sp>
-        <p:nvSpPr>
-          <p:cNvPr id="3" name="Content Placeholder 2"/>
-          <p:cNvSpPr>
-            <a:spLocks noGrp="1"/>
-          </p:cNvSpPr>
-          <p:nvPr>
-            <p:ph idx="1"/>
-          </p:nvPr>
-        </p:nvSpPr>
-        <p:spPr/>
-        <p:txBody>
-          <a:bodyPr/>
-          <a:p>
-            <a:endParaRPr lang="en-GB" altLang="en-US"/>
-          </a:p>
-        </p:txBody>
-      </p:sp>
-    </p:spTree>
-  </p:cSld>
-  <p:clrMapOvr>
-    <a:masterClrMapping/>
-  </p:clrMapOvr>
-</p:sld>
-</file>
-
-<file path=ppt/slides/slide26.xml><?xml version="1.0" encoding="utf-8"?>
-<p:sld xmlns:a="http://schemas.openxmlformats.org/drawingml/2006/main" xmlns:r="http://schemas.openxmlformats.org/officeDocument/2006/relationships" xmlns:p="http://schemas.openxmlformats.org/presentationml/2006/main">
-  <p:cSld>
-    <p:spTree>
-      <p:nvGrpSpPr>
-        <p:cNvPr id="1" name=""/>
-        <p:cNvGrpSpPr/>
-        <p:nvPr/>
-      </p:nvGrpSpPr>
-      <p:grpSpPr/>
-      <p:sp>
-        <p:nvSpPr>
-          <p:cNvPr id="2" name="Title 1"/>
-          <p:cNvSpPr>
-            <a:spLocks noGrp="1"/>
-          </p:cNvSpPr>
-          <p:nvPr>
-            <p:ph type="title"/>
-          </p:nvPr>
-        </p:nvSpPr>
-        <p:spPr/>
-        <p:txBody>
-          <a:bodyPr/>
-          <a:p>
-            <a:endParaRPr lang="en-GB" altLang="en-US"/>
-          </a:p>
-        </p:txBody>
-      </p:sp>
-      <p:sp>
-        <p:nvSpPr>
-          <p:cNvPr id="3" name="Content Placeholder 2"/>
-          <p:cNvSpPr>
-            <a:spLocks noGrp="1"/>
-          </p:cNvSpPr>
-          <p:nvPr>
-            <p:ph idx="1"/>
-          </p:nvPr>
-        </p:nvSpPr>
-        <p:spPr/>
-        <p:txBody>
-          <a:bodyPr/>
-          <a:p>
-            <a:endParaRPr lang="en-GB" altLang="en-US"/>
-          </a:p>
-        </p:txBody>
-      </p:sp>
-    </p:spTree>
-  </p:cSld>
-  <p:clrMapOvr>
-    <a:masterClrMapping/>
-  </p:clrMapOvr>
-</p:sld>
-</file>
-
-<file path=ppt/slides/slide27.xml><?xml version="1.0" encoding="utf-8"?>
-<p:sld xmlns:a="http://schemas.openxmlformats.org/drawingml/2006/main" xmlns:r="http://schemas.openxmlformats.org/officeDocument/2006/relationships" xmlns:p="http://schemas.openxmlformats.org/presentationml/2006/main">
-  <p:cSld>
-    <p:spTree>
-      <p:nvGrpSpPr>
-        <p:cNvPr id="1" name=""/>
-        <p:cNvGrpSpPr/>
-        <p:nvPr/>
-      </p:nvGrpSpPr>
-      <p:grpSpPr/>
-      <p:sp>
-        <p:nvSpPr>
-          <p:cNvPr id="2" name="Title 1"/>
-          <p:cNvSpPr>
-            <a:spLocks noGrp="1"/>
-          </p:cNvSpPr>
-          <p:nvPr>
-            <p:ph type="title"/>
-          </p:nvPr>
-        </p:nvSpPr>
-        <p:spPr/>
-        <p:txBody>
-          <a:bodyPr/>
-          <a:p>
-            <a:endParaRPr lang="en-GB" altLang="en-US"/>
-          </a:p>
-        </p:txBody>
-      </p:sp>
-      <p:sp>
-        <p:nvSpPr>
-          <p:cNvPr id="3" name="Content Placeholder 2"/>
-          <p:cNvSpPr>
-            <a:spLocks noGrp="1"/>
-          </p:cNvSpPr>
-          <p:nvPr>
-            <p:ph idx="1"/>
-          </p:nvPr>
-        </p:nvSpPr>
-        <p:spPr/>
-        <p:txBody>
-          <a:bodyPr/>
-          <a:p>
-            <a:endParaRPr lang="en-GB" altLang="en-US"/>
-          </a:p>
-        </p:txBody>
-      </p:sp>
-    </p:spTree>
-  </p:cSld>
-  <p:clrMapOvr>
-    <a:masterClrMapping/>
-  </p:clrMapOvr>
-</p:sld>
-</file>
-
-<file path=ppt/slides/slide28.xml><?xml version="1.0" encoding="utf-8"?>
-<p:sld xmlns:a="http://schemas.openxmlformats.org/drawingml/2006/main" xmlns:r="http://schemas.openxmlformats.org/officeDocument/2006/relationships" xmlns:p="http://schemas.openxmlformats.org/presentationml/2006/main">
-  <p:cSld>
-    <p:spTree>
-      <p:nvGrpSpPr>
-        <p:cNvPr id="1" name=""/>
-        <p:cNvGrpSpPr/>
-        <p:nvPr/>
-      </p:nvGrpSpPr>
-      <p:grpSpPr/>
-      <p:sp>
-        <p:nvSpPr>
-          <p:cNvPr id="2" name="Title 1"/>
-          <p:cNvSpPr>
-            <a:spLocks noGrp="1"/>
-          </p:cNvSpPr>
-          <p:nvPr>
-            <p:ph type="title"/>
-          </p:nvPr>
-        </p:nvSpPr>
-        <p:spPr/>
-        <p:txBody>
-          <a:bodyPr/>
-          <a:p>
-            <a:endParaRPr lang="en-GB" altLang="en-US"/>
-          </a:p>
-        </p:txBody>
-      </p:sp>
-      <p:sp>
-        <p:nvSpPr>
-          <p:cNvPr id="3" name="Content Placeholder 2"/>
-          <p:cNvSpPr>
-            <a:spLocks noGrp="1"/>
-          </p:cNvSpPr>
-          <p:nvPr>
-            <p:ph idx="1"/>
-          </p:nvPr>
-        </p:nvSpPr>
-        <p:spPr/>
-        <p:txBody>
-          <a:bodyPr/>
-          <a:p>
-            <a:endParaRPr lang="en-GB" altLang="en-US"/>
-          </a:p>
-        </p:txBody>
-      </p:sp>
-    </p:spTree>
-  </p:cSld>
-  <p:clrMapOvr>
-    <a:masterClrMapping/>
-  </p:clrMapOvr>
-</p:sld>
-</file>
-
-<file path=ppt/slides/slide29.xml><?xml version="1.0" encoding="utf-8"?>
-<p:sld xmlns:a="http://schemas.openxmlformats.org/drawingml/2006/main" xmlns:r="http://schemas.openxmlformats.org/officeDocument/2006/relationships" xmlns:p="http://schemas.openxmlformats.org/presentationml/2006/main">
-  <p:cSld>
-    <p:spTree>
-      <p:nvGrpSpPr>
-        <p:cNvPr id="1" name=""/>
-        <p:cNvGrpSpPr/>
-        <p:nvPr/>
-      </p:nvGrpSpPr>
-      <p:grpSpPr/>
-      <p:sp>
-        <p:nvSpPr>
-          <p:cNvPr id="2" name="Title 1"/>
-          <p:cNvSpPr>
-            <a:spLocks noGrp="1"/>
-          </p:cNvSpPr>
-          <p:nvPr>
-            <p:ph type="title"/>
-          </p:nvPr>
-        </p:nvSpPr>
-        <p:spPr/>
-        <p:txBody>
-          <a:bodyPr/>
-          <a:p>
-            <a:endParaRPr lang="en-GB" altLang="en-US"/>
-          </a:p>
-        </p:txBody>
-      </p:sp>
-      <p:sp>
-        <p:nvSpPr>
-          <p:cNvPr id="3" name="Content Placeholder 2"/>
-          <p:cNvSpPr>
-            <a:spLocks noGrp="1"/>
-          </p:cNvSpPr>
-          <p:nvPr>
-            <p:ph idx="1"/>
-          </p:nvPr>
-        </p:nvSpPr>
-        <p:spPr/>
-        <p:txBody>
-          <a:bodyPr/>
-          <a:p>
-            <a:endParaRPr lang="en-GB" altLang="en-US"/>
-          </a:p>
-        </p:txBody>
-      </p:sp>
-    </p:spTree>
-  </p:cSld>
-  <p:clrMapOvr>
-    <a:masterClrMapping/>
-  </p:clrMapOvr>
-</p:sld>
-</file>
-
-<file path=ppt/slides/slide3.xml><?xml version="1.0" encoding="utf-8"?>
-<p:sld xmlns:a="http://schemas.openxmlformats.org/drawingml/2006/main" xmlns:r="http://schemas.openxmlformats.org/officeDocument/2006/relationships" xmlns:p="http://schemas.openxmlformats.org/presentationml/2006/main">
-  <p:cSld>
-    <p:spTree>
-      <p:nvGrpSpPr>
-        <p:cNvPr id="1" name=""/>
-        <p:cNvGrpSpPr/>
-        <p:nvPr/>
-      </p:nvGrpSpPr>
-      <p:grpSpPr/>
-      <p:sp>
-        <p:nvSpPr>
-          <p:cNvPr id="2" name="Title 1"/>
-          <p:cNvSpPr>
-            <a:spLocks noGrp="1"/>
-          </p:cNvSpPr>
-          <p:nvPr>
-            <p:ph type="title"/>
-          </p:nvPr>
-        </p:nvSpPr>
-        <p:spPr/>
-        <p:txBody>
-          <a:bodyPr/>
-          <a:p>
-            <a:r>
-              <a:rPr lang="en-US" altLang="en-GB" dirty="0">
-                <a:sym typeface="+mn-ea"/>
-              </a:rPr>
-              <a:t>NLP for for Critical Infrastructures CI Design</a:t>
-            </a:r>
-            <a:endParaRPr lang="en-GB" altLang="en-US"/>
-          </a:p>
-        </p:txBody>
-      </p:sp>
-      <p:sp>
-        <p:nvSpPr>
-          <p:cNvPr id="3" name="Content Placeholder 2"/>
-          <p:cNvSpPr>
-            <a:spLocks noGrp="1"/>
-          </p:cNvSpPr>
-          <p:nvPr>
-            <p:ph idx="1"/>
-          </p:nvPr>
-        </p:nvSpPr>
-        <p:spPr/>
-        <p:txBody>
-          <a:bodyPr>
-            <a:normAutofit lnSpcReduction="10000"/>
-          </a:bodyPr>
-          <a:p>
-            <a:r>
-              <a:rPr lang="en-US" altLang="en-GB"/>
-              <a:t>Critical Infrastructure (CI) includes essential systems like power grids, water treatment plants, communication networks, financial systems, and transportation. </a:t>
-            </a:r>
-            <a:endParaRPr lang="en-US" altLang="en-GB"/>
-          </a:p>
-          <a:p>
-            <a:r>
-              <a:rPr lang="en-US" altLang="en-GB"/>
-              <a:t>Designing and securing these infrastructures is crucial for national security and public safety. </a:t>
-            </a:r>
-            <a:endParaRPr lang="en-US" altLang="en-GB"/>
-          </a:p>
-          <a:p>
-            <a:r>
-              <a:rPr lang="en-US" altLang="en-GB"/>
-              <a:t>Natural Language Processing (NLP) and Large Language Models (LLMs) can help in several ways, from automating documentation to detecting cyber threats.</a:t>
-            </a:r>
-            <a:endParaRPr lang="en-US" altLang="en-GB"/>
-          </a:p>
-        </p:txBody>
-      </p:sp>
-    </p:spTree>
-  </p:cSld>
-  <p:clrMapOvr>
-    <a:masterClrMapping/>
-  </p:clrMapOvr>
-</p:sld>
-</file>
-
-<file path=ppt/slides/slide30.xml><?xml version="1.0" encoding="utf-8"?>
-<p:sld xmlns:a="http://schemas.openxmlformats.org/drawingml/2006/main" xmlns:r="http://schemas.openxmlformats.org/officeDocument/2006/relationships" xmlns:p="http://schemas.openxmlformats.org/presentationml/2006/main">
-  <p:cSld>
-    <p:spTree>
-      <p:nvGrpSpPr>
-        <p:cNvPr id="1" name=""/>
-        <p:cNvGrpSpPr/>
-        <p:nvPr/>
-      </p:nvGrpSpPr>
-      <p:grpSpPr/>
-      <p:sp>
-        <p:nvSpPr>
-          <p:cNvPr id="2" name="Title 1"/>
-          <p:cNvSpPr>
-            <a:spLocks noGrp="1"/>
-          </p:cNvSpPr>
-          <p:nvPr>
-            <p:ph type="title"/>
-          </p:nvPr>
-        </p:nvSpPr>
-        <p:spPr/>
-        <p:txBody>
-          <a:bodyPr/>
-          <a:p>
-            <a:endParaRPr lang="en-GB" altLang="en-US"/>
-          </a:p>
-        </p:txBody>
-      </p:sp>
-      <p:sp>
-        <p:nvSpPr>
-          <p:cNvPr id="3" name="Content Placeholder 2"/>
-          <p:cNvSpPr>
-            <a:spLocks noGrp="1"/>
-          </p:cNvSpPr>
-          <p:nvPr>
-            <p:ph idx="1"/>
-          </p:nvPr>
-        </p:nvSpPr>
-        <p:spPr/>
-        <p:txBody>
-          <a:bodyPr/>
-          <a:p>
-            <a:endParaRPr lang="en-GB" altLang="en-US"/>
-          </a:p>
-        </p:txBody>
-      </p:sp>
-    </p:spTree>
-  </p:cSld>
-  <p:clrMapOvr>
-    <a:masterClrMapping/>
-  </p:clrMapOvr>
-</p:sld>
-</file>
-
-<file path=ppt/slides/slide31.xml><?xml version="1.0" encoding="utf-8"?>
-<p:sld xmlns:a="http://schemas.openxmlformats.org/drawingml/2006/main" xmlns:r="http://schemas.openxmlformats.org/officeDocument/2006/relationships" xmlns:p="http://schemas.openxmlformats.org/presentationml/2006/main">
-  <p:cSld>
-    <p:spTree>
-      <p:nvGrpSpPr>
-        <p:cNvPr id="1" name=""/>
-        <p:cNvGrpSpPr/>
-        <p:nvPr/>
-      </p:nvGrpSpPr>
-      <p:grpSpPr/>
-      <p:sp>
-        <p:nvSpPr>
-          <p:cNvPr id="2" name="Title 1"/>
-          <p:cNvSpPr>
-            <a:spLocks noGrp="1"/>
-          </p:cNvSpPr>
-          <p:nvPr>
-            <p:ph type="title"/>
-          </p:nvPr>
-        </p:nvSpPr>
-        <p:spPr/>
-        <p:txBody>
-          <a:bodyPr/>
-          <a:p>
-            <a:endParaRPr lang="en-GB" altLang="en-US"/>
-          </a:p>
-        </p:txBody>
-      </p:sp>
-      <p:sp>
-        <p:nvSpPr>
-          <p:cNvPr id="3" name="Content Placeholder 2"/>
-          <p:cNvSpPr>
-            <a:spLocks noGrp="1"/>
-          </p:cNvSpPr>
-          <p:nvPr>
-            <p:ph idx="1"/>
-          </p:nvPr>
-        </p:nvSpPr>
-        <p:spPr/>
-        <p:txBody>
-          <a:bodyPr/>
-          <a:p>
-            <a:endParaRPr lang="en-GB" altLang="en-US"/>
-          </a:p>
-        </p:txBody>
-      </p:sp>
-    </p:spTree>
-  </p:cSld>
-  <p:clrMapOvr>
-    <a:masterClrMapping/>
-  </p:clrMapOvr>
-</p:sld>
-</file>
-
-<file path=ppt/slides/slide32.xml><?xml version="1.0" encoding="utf-8"?>
-<p:sld xmlns:a="http://schemas.openxmlformats.org/drawingml/2006/main" xmlns:r="http://schemas.openxmlformats.org/officeDocument/2006/relationships" xmlns:p="http://schemas.openxmlformats.org/presentationml/2006/main">
-  <p:cSld>
-    <p:spTree>
-      <p:nvGrpSpPr>
-        <p:cNvPr id="1" name=""/>
-        <p:cNvGrpSpPr/>
-        <p:nvPr/>
-      </p:nvGrpSpPr>
-      <p:grpSpPr/>
-      <p:sp>
-        <p:nvSpPr>
-          <p:cNvPr id="2" name="Title 1"/>
-          <p:cNvSpPr>
-            <a:spLocks noGrp="1"/>
-          </p:cNvSpPr>
-          <p:nvPr>
-            <p:ph type="title"/>
-          </p:nvPr>
-        </p:nvSpPr>
-        <p:spPr/>
-        <p:txBody>
-          <a:bodyPr/>
-          <a:p>
-            <a:endParaRPr lang="en-GB" altLang="en-US"/>
-          </a:p>
-        </p:txBody>
-      </p:sp>
-      <p:sp>
-        <p:nvSpPr>
-          <p:cNvPr id="3" name="Content Placeholder 2"/>
-          <p:cNvSpPr>
-            <a:spLocks noGrp="1"/>
-          </p:cNvSpPr>
-          <p:nvPr>
-            <p:ph idx="1"/>
-          </p:nvPr>
-        </p:nvSpPr>
-        <p:spPr/>
-        <p:txBody>
-          <a:bodyPr/>
-          <a:p>
-            <a:endParaRPr lang="en-GB" altLang="en-US"/>
-          </a:p>
-        </p:txBody>
-      </p:sp>
-    </p:spTree>
-  </p:cSld>
-  <p:clrMapOvr>
-    <a:masterClrMapping/>
-  </p:clrMapOvr>
-</p:sld>
-</file>
-
-<file path=ppt/slides/slide33.xml><?xml version="1.0" encoding="utf-8"?>
-<p:sld xmlns:a="http://schemas.openxmlformats.org/drawingml/2006/main" xmlns:r="http://schemas.openxmlformats.org/officeDocument/2006/relationships" xmlns:p="http://schemas.openxmlformats.org/presentationml/2006/main">
-  <p:cSld>
-    <p:spTree>
-      <p:nvGrpSpPr>
-        <p:cNvPr id="1" name=""/>
-        <p:cNvGrpSpPr/>
-        <p:nvPr/>
-      </p:nvGrpSpPr>
-      <p:grpSpPr/>
-      <p:sp>
-        <p:nvSpPr>
-          <p:cNvPr id="2" name="Title 1"/>
-          <p:cNvSpPr>
-            <a:spLocks noGrp="1"/>
-          </p:cNvSpPr>
-          <p:nvPr>
-            <p:ph type="title"/>
-          </p:nvPr>
-        </p:nvSpPr>
-        <p:spPr/>
-        <p:txBody>
-          <a:bodyPr/>
-          <a:p>
-            <a:endParaRPr lang="en-GB" altLang="en-US"/>
-          </a:p>
-        </p:txBody>
-      </p:sp>
-      <p:sp>
-        <p:nvSpPr>
-          <p:cNvPr id="3" name="Content Placeholder 2"/>
-          <p:cNvSpPr>
-            <a:spLocks noGrp="1"/>
-          </p:cNvSpPr>
-          <p:nvPr>
-            <p:ph idx="1"/>
-          </p:nvPr>
-        </p:nvSpPr>
-        <p:spPr/>
-        <p:txBody>
-          <a:bodyPr/>
-          <a:p>
-            <a:endParaRPr lang="en-GB" altLang="en-US"/>
-          </a:p>
-        </p:txBody>
-      </p:sp>
-    </p:spTree>
-  </p:cSld>
-  <p:clrMapOvr>
-    <a:masterClrMapping/>
-  </p:clrMapOvr>
-</p:sld>
-</file>
-
-<file path=ppt/slides/slide34.xml><?xml version="1.0" encoding="utf-8"?>
-<p:sld xmlns:a="http://schemas.openxmlformats.org/drawingml/2006/main" xmlns:r="http://schemas.openxmlformats.org/officeDocument/2006/relationships" xmlns:p="http://schemas.openxmlformats.org/presentationml/2006/main">
-  <p:cSld>
-    <p:spTree>
-      <p:nvGrpSpPr>
-        <p:cNvPr id="1" name=""/>
-        <p:cNvGrpSpPr/>
-        <p:nvPr/>
-      </p:nvGrpSpPr>
-      <p:grpSpPr/>
-      <p:sp>
-        <p:nvSpPr>
-          <p:cNvPr id="2" name="Title 1"/>
-          <p:cNvSpPr>
-            <a:spLocks noGrp="1"/>
-          </p:cNvSpPr>
-          <p:nvPr>
-            <p:ph type="title"/>
-          </p:nvPr>
-        </p:nvSpPr>
-        <p:spPr/>
-        <p:txBody>
-          <a:bodyPr/>
-          <a:p>
-            <a:endParaRPr lang="en-GB" altLang="en-US"/>
-          </a:p>
-        </p:txBody>
-      </p:sp>
-      <p:sp>
-        <p:nvSpPr>
-          <p:cNvPr id="3" name="Content Placeholder 2"/>
-          <p:cNvSpPr>
-            <a:spLocks noGrp="1"/>
-          </p:cNvSpPr>
-          <p:nvPr>
-            <p:ph idx="1"/>
-          </p:nvPr>
-        </p:nvSpPr>
-        <p:spPr/>
-        <p:txBody>
-          <a:bodyPr/>
-          <a:p>
-            <a:endParaRPr lang="en-GB" altLang="en-US"/>
-          </a:p>
-        </p:txBody>
-      </p:sp>
-    </p:spTree>
-  </p:cSld>
-  <p:clrMapOvr>
-    <a:masterClrMapping/>
-  </p:clrMapOvr>
-</p:sld>
-</file>
-
-<file path=ppt/slides/slide35.xml><?xml version="1.0" encoding="utf-8"?>
-<p:sld xmlns:a="http://schemas.openxmlformats.org/drawingml/2006/main" xmlns:r="http://schemas.openxmlformats.org/officeDocument/2006/relationships" xmlns:p="http://schemas.openxmlformats.org/presentationml/2006/main">
-  <p:cSld>
-    <p:spTree>
-      <p:nvGrpSpPr>
-        <p:cNvPr id="1" name=""/>
-        <p:cNvGrpSpPr/>
-        <p:nvPr/>
-      </p:nvGrpSpPr>
-      <p:grpSpPr/>
-      <p:sp>
-        <p:nvSpPr>
-          <p:cNvPr id="2" name="Title 1"/>
-          <p:cNvSpPr>
-            <a:spLocks noGrp="1"/>
-          </p:cNvSpPr>
-          <p:nvPr>
-            <p:ph type="title"/>
-          </p:nvPr>
-        </p:nvSpPr>
-        <p:spPr/>
-        <p:txBody>
-          <a:bodyPr/>
-          <a:p>
-            <a:endParaRPr lang="en-GB" altLang="en-US"/>
-          </a:p>
-        </p:txBody>
-      </p:sp>
-      <p:sp>
-        <p:nvSpPr>
-          <p:cNvPr id="3" name="Content Placeholder 2"/>
-          <p:cNvSpPr>
-            <a:spLocks noGrp="1"/>
-          </p:cNvSpPr>
-          <p:nvPr>
-            <p:ph idx="1"/>
-          </p:nvPr>
-        </p:nvSpPr>
-        <p:spPr/>
-        <p:txBody>
-          <a:bodyPr/>
-          <a:p>
-            <a:endParaRPr lang="en-GB" altLang="en-US"/>
-          </a:p>
-        </p:txBody>
-      </p:sp>
-    </p:spTree>
-  </p:cSld>
-  <p:clrMapOvr>
-    <a:masterClrMapping/>
-  </p:clrMapOvr>
-</p:sld>
-</file>
-
-<file path=ppt/slides/slide36.xml><?xml version="1.0" encoding="utf-8"?>
-<p:sld xmlns:a="http://schemas.openxmlformats.org/drawingml/2006/main" xmlns:r="http://schemas.openxmlformats.org/officeDocument/2006/relationships" xmlns:p="http://schemas.openxmlformats.org/presentationml/2006/main">
-  <p:cSld>
-    <p:spTree>
-      <p:nvGrpSpPr>
-        <p:cNvPr id="1" name=""/>
-        <p:cNvGrpSpPr/>
-        <p:nvPr/>
-      </p:nvGrpSpPr>
-      <p:grpSpPr/>
-      <p:sp>
-        <p:nvSpPr>
-          <p:cNvPr id="2" name="Title 1"/>
-          <p:cNvSpPr>
-            <a:spLocks noGrp="1"/>
-          </p:cNvSpPr>
-          <p:nvPr>
-            <p:ph type="title"/>
-          </p:nvPr>
-        </p:nvSpPr>
-        <p:spPr/>
-        <p:txBody>
-          <a:bodyPr/>
-          <a:p>
-            <a:endParaRPr lang="en-GB" altLang="en-US"/>
-          </a:p>
-        </p:txBody>
-      </p:sp>
-      <p:sp>
-        <p:nvSpPr>
-          <p:cNvPr id="3" name="Content Placeholder 2"/>
-          <p:cNvSpPr>
-            <a:spLocks noGrp="1"/>
-          </p:cNvSpPr>
-          <p:nvPr>
-            <p:ph idx="1"/>
-          </p:nvPr>
-        </p:nvSpPr>
-        <p:spPr/>
-        <p:txBody>
-          <a:bodyPr/>
-          <a:p>
-            <a:endParaRPr lang="en-GB" altLang="en-US"/>
-          </a:p>
-        </p:txBody>
-      </p:sp>
-    </p:spTree>
-  </p:cSld>
-  <p:clrMapOvr>
-    <a:masterClrMapping/>
-  </p:clrMapOvr>
-</p:sld>
-</file>
-
-<file path=ppt/slides/slide37.xml><?xml version="1.0" encoding="utf-8"?>
-<p:sld xmlns:a="http://schemas.openxmlformats.org/drawingml/2006/main" xmlns:r="http://schemas.openxmlformats.org/officeDocument/2006/relationships" xmlns:p="http://schemas.openxmlformats.org/presentationml/2006/main">
-  <p:cSld>
-    <p:spTree>
-      <p:nvGrpSpPr>
-        <p:cNvPr id="1" name=""/>
-        <p:cNvGrpSpPr/>
-        <p:nvPr/>
-      </p:nvGrpSpPr>
-      <p:grpSpPr/>
-      <p:sp>
-        <p:nvSpPr>
-          <p:cNvPr id="2" name="Title 1"/>
-          <p:cNvSpPr>
-            <a:spLocks noGrp="1"/>
-          </p:cNvSpPr>
-          <p:nvPr>
-            <p:ph type="title"/>
-          </p:nvPr>
-        </p:nvSpPr>
-        <p:spPr/>
-        <p:txBody>
-          <a:bodyPr/>
-          <a:p>
-            <a:endParaRPr lang="en-GB" altLang="en-US"/>
-          </a:p>
-        </p:txBody>
-      </p:sp>
-      <p:sp>
-        <p:nvSpPr>
-          <p:cNvPr id="3" name="Content Placeholder 2"/>
-          <p:cNvSpPr>
-            <a:spLocks noGrp="1"/>
-          </p:cNvSpPr>
-          <p:nvPr>
-            <p:ph idx="1"/>
-          </p:nvPr>
-        </p:nvSpPr>
-        <p:spPr/>
-        <p:txBody>
-          <a:bodyPr/>
-          <a:p>
-            <a:endParaRPr lang="en-GB" altLang="en-US"/>
-          </a:p>
-        </p:txBody>
-      </p:sp>
-    </p:spTree>
-  </p:cSld>
-  <p:clrMapOvr>
-    <a:masterClrMapping/>
-  </p:clrMapOvr>
-</p:sld>
-</file>
-
-<file path=ppt/slides/slide38.xml><?xml version="1.0" encoding="utf-8"?>
-<p:sld xmlns:a="http://schemas.openxmlformats.org/drawingml/2006/main" xmlns:r="http://schemas.openxmlformats.org/officeDocument/2006/relationships" xmlns:p="http://schemas.openxmlformats.org/presentationml/2006/main">
-  <p:cSld>
-    <p:spTree>
-      <p:nvGrpSpPr>
-        <p:cNvPr id="1" name=""/>
-        <p:cNvGrpSpPr/>
-        <p:nvPr/>
-      </p:nvGrpSpPr>
-      <p:grpSpPr/>
-      <p:sp>
-        <p:nvSpPr>
-          <p:cNvPr id="2" name="Title 1"/>
-          <p:cNvSpPr>
-            <a:spLocks noGrp="1"/>
-          </p:cNvSpPr>
-          <p:nvPr>
-            <p:ph type="title"/>
-          </p:nvPr>
-        </p:nvSpPr>
-        <p:spPr/>
-        <p:txBody>
-          <a:bodyPr/>
-          <a:p>
-            <a:endParaRPr lang="en-GB" altLang="en-US"/>
-          </a:p>
-        </p:txBody>
-      </p:sp>
-      <p:sp>
-        <p:nvSpPr>
-          <p:cNvPr id="3" name="Content Placeholder 2"/>
-          <p:cNvSpPr>
-            <a:spLocks noGrp="1"/>
-          </p:cNvSpPr>
-          <p:nvPr>
-            <p:ph idx="1"/>
-          </p:nvPr>
-        </p:nvSpPr>
-        <p:spPr/>
-        <p:txBody>
-          <a:bodyPr/>
-          <a:p>
-            <a:endParaRPr lang="en-GB" altLang="en-US"/>
-          </a:p>
-        </p:txBody>
-      </p:sp>
-    </p:spTree>
-  </p:cSld>
-  <p:clrMapOvr>
-    <a:masterClrMapping/>
-  </p:clrMapOvr>
-</p:sld>
-</file>
-
-<file path=ppt/slides/slide39.xml><?xml version="1.0" encoding="utf-8"?>
 <p:sld xmlns:a="http://schemas.openxmlformats.org/drawingml/2006/main" xmlns:r="http://schemas.openxmlformats.org/officeDocument/2006/relationships" xmlns:p="http://schemas.openxmlformats.org/presentationml/2006/main">
   <p:cSld>
     <p:spTree>
@@ -5997,6 +4552,128 @@
 </p:sld>
 </file>
 
+<file path=ppt/slides/slide2.xml><?xml version="1.0" encoding="utf-8"?>
+<p:sld xmlns:a="http://schemas.openxmlformats.org/drawingml/2006/main" xmlns:r="http://schemas.openxmlformats.org/officeDocument/2006/relationships" xmlns:p="http://schemas.openxmlformats.org/presentationml/2006/main">
+  <p:cSld>
+    <p:spTree>
+      <p:nvGrpSpPr>
+        <p:cNvPr id="1" name=""/>
+        <p:cNvGrpSpPr/>
+        <p:nvPr/>
+      </p:nvGrpSpPr>
+      <p:grpSpPr/>
+      <p:sp>
+        <p:nvSpPr>
+          <p:cNvPr id="4" name="Title 3"/>
+          <p:cNvSpPr>
+            <a:spLocks noGrp="1"/>
+          </p:cNvSpPr>
+          <p:nvPr>
+            <p:ph type="title"/>
+          </p:nvPr>
+        </p:nvSpPr>
+        <p:spPr/>
+        <p:txBody>
+          <a:bodyPr/>
+          <a:p>
+            <a:r>
+              <a:rPr lang="en-US" altLang="en-GB" dirty="0">
+                <a:sym typeface="+mn-ea"/>
+              </a:rPr>
+              <a:t>NLP for for Critical Infrastructures CI Design</a:t>
+            </a:r>
+            <a:endParaRPr lang="en-US"/>
+          </a:p>
+        </p:txBody>
+      </p:sp>
+    </p:spTree>
+  </p:cSld>
+  <p:clrMapOvr>
+    <a:masterClrMapping/>
+  </p:clrMapOvr>
+</p:sld>
+</file>
+
+<file path=ppt/slides/slide3.xml><?xml version="1.0" encoding="utf-8"?>
+<p:sld xmlns:a="http://schemas.openxmlformats.org/drawingml/2006/main" xmlns:r="http://schemas.openxmlformats.org/officeDocument/2006/relationships" xmlns:p="http://schemas.openxmlformats.org/presentationml/2006/main">
+  <p:cSld>
+    <p:spTree>
+      <p:nvGrpSpPr>
+        <p:cNvPr id="1" name=""/>
+        <p:cNvGrpSpPr/>
+        <p:nvPr/>
+      </p:nvGrpSpPr>
+      <p:grpSpPr/>
+      <p:sp>
+        <p:nvSpPr>
+          <p:cNvPr id="2" name="Title 1"/>
+          <p:cNvSpPr>
+            <a:spLocks noGrp="1"/>
+          </p:cNvSpPr>
+          <p:nvPr>
+            <p:ph type="title"/>
+          </p:nvPr>
+        </p:nvSpPr>
+        <p:spPr/>
+        <p:txBody>
+          <a:bodyPr/>
+          <a:p>
+            <a:r>
+              <a:rPr lang="en-US" altLang="en-GB" dirty="0">
+                <a:sym typeface="+mn-ea"/>
+              </a:rPr>
+              <a:t>NLP for for Critical Infrastructures CI Design</a:t>
+            </a:r>
+            <a:endParaRPr lang="en-GB" altLang="en-US"/>
+          </a:p>
+        </p:txBody>
+      </p:sp>
+      <p:sp>
+        <p:nvSpPr>
+          <p:cNvPr id="3" name="Content Placeholder 2"/>
+          <p:cNvSpPr>
+            <a:spLocks noGrp="1"/>
+          </p:cNvSpPr>
+          <p:nvPr>
+            <p:ph idx="1"/>
+          </p:nvPr>
+        </p:nvSpPr>
+        <p:spPr/>
+        <p:txBody>
+          <a:bodyPr>
+            <a:normAutofit lnSpcReduction="10000"/>
+          </a:bodyPr>
+          <a:p>
+            <a:r>
+              <a:rPr lang="en-US" altLang="en-GB"/>
+              <a:t>Critical Infrastructure (CI) includes essential systems like power grids, water treatment plants, communication networks, financial systems, and transportation. </a:t>
+            </a:r>
+            <a:endParaRPr lang="en-US" altLang="en-GB"/>
+          </a:p>
+          <a:p>
+            <a:r>
+              <a:rPr lang="en-US" altLang="en-GB"/>
+              <a:t>Designing and securing these infrastructures is crucial for national security and public safety. </a:t>
+            </a:r>
+            <a:endParaRPr lang="en-US" altLang="en-GB"/>
+          </a:p>
+          <a:p>
+            <a:r>
+              <a:rPr lang="en-US" altLang="en-GB"/>
+              <a:t>Natural Language Processing (NLP) and Large Language Models (LLMs) can help in several ways, from automating documentation to detecting cyber threats.</a:t>
+            </a:r>
+            <a:endParaRPr lang="en-US" altLang="en-GB"/>
+          </a:p>
+        </p:txBody>
+      </p:sp>
+    </p:spTree>
+  </p:cSld>
+  <p:clrMapOvr>
+    <a:masterClrMapping/>
+  </p:clrMapOvr>
+</p:sld>
+</file>
+
 <file path=ppt/slides/slide4.xml><?xml version="1.0" encoding="utf-8"?>
 <p:sld xmlns:a="http://schemas.openxmlformats.org/drawingml/2006/main" xmlns:r="http://schemas.openxmlformats.org/officeDocument/2006/relationships" xmlns:p="http://schemas.openxmlformats.org/presentationml/2006/main">
   <p:cSld>
@@ -6204,7 +4881,7 @@
               <a:t>🛡</a:t>
             </a:r>
             <a:r>
-              <a:rPr lang="" altLang="en-US"/>
+              <a:rPr lang="en-US" altLang="en-US"/>
               <a:t>️</a:t>
             </a:r>
             <a:r>
@@ -6440,10 +5117,15 @@
             <p:ph idx="1"/>
           </p:nvPr>
         </p:nvSpPr>
-        <p:spPr/>
+        <p:spPr>
+          <a:xfrm>
+            <a:off x="838200" y="1825625"/>
+            <a:ext cx="10515600" cy="4782820"/>
+          </a:xfrm>
+        </p:spPr>
         <p:txBody>
           <a:bodyPr>
-            <a:normAutofit fontScale="80000"/>
+            <a:normAutofit fontScale="90000"/>
           </a:bodyPr>
           <a:p>
             <a:r>
@@ -6582,10 +5264,15 @@
             <p:ph idx="1"/>
           </p:nvPr>
         </p:nvSpPr>
-        <p:spPr/>
+        <p:spPr>
+          <a:xfrm>
+            <a:off x="838200" y="1825625"/>
+            <a:ext cx="10515600" cy="4740910"/>
+          </a:xfrm>
+        </p:spPr>
         <p:txBody>
           <a:bodyPr>
-            <a:normAutofit fontScale="80000"/>
+            <a:normAutofit fontScale="90000"/>
           </a:bodyPr>
           <a:p>
             <a:r>
@@ -6636,7 +5323,7 @@
               <a:t>🛡</a:t>
             </a:r>
             <a:r>
-              <a:rPr lang="" altLang="en-US"/>
+              <a:rPr lang="en-US" altLang="en-US"/>
               <a:t>️</a:t>
             </a:r>
             <a:r>
@@ -6653,7 +5340,7 @@
             </a:r>
             <a:r>
               <a:rPr lang="en-US" altLang="en-GB"/>
-              <a:t> Risk Prediction Models: Forecast potential threats to infrastructure components.</a:t>
+              <a:t>  Risk Prediction Models: Forecast potential threats to infrastructure components.</a:t>
             </a:r>
             <a:endParaRPr lang="en-US" altLang="en-GB"/>
           </a:p>
@@ -6771,7 +5458,7 @@
             </a:r>
             <a:r>
               <a:rPr lang="en-US" altLang="en-GB"/>
-              <a:t> Secure Architecture Design: NLP can generate secure system blueprints.</a:t>
+              <a:t>  Secure Architecture Design: NLP can generate secure system blueprints.</a:t>
             </a:r>
             <a:endParaRPr lang="en-US" altLang="en-GB"/>
           </a:p>
@@ -6783,7 +5470,7 @@
             </a:r>
             <a:r>
               <a:rPr lang="en-US" altLang="en-GB"/>
-              <a:t> Attack Simulation &amp; Red Teaming: LLMs can simulate how adversaries might exploit vulnerabilities.</a:t>
+              <a:t>  Attack Simulation &amp; Red Teaming: LLMs can simulate how adversaries might exploit vulnerabilities.</a:t>
             </a:r>
             <a:endParaRPr lang="en-US" altLang="en-GB"/>
           </a:p>
@@ -6795,7 +5482,7 @@
             </a:r>
             <a:r>
               <a:rPr lang="en-US" altLang="en-GB"/>
-              <a:t> SOC (Security Operations Center) Log Analysis: Automatically classify logs based on severity.</a:t>
+              <a:t>  SOC (Security Operations Center) Log Analysis: Automatically classify logs based on severity.</a:t>
             </a:r>
             <a:endParaRPr lang="en-US" altLang="en-GB"/>
           </a:p>
@@ -6814,7 +5501,7 @@
             <a:pPr lvl="1"/>
             <a:r>
               <a:rPr lang="en-US" altLang="en-GB"/>
-              <a:t>A water treatment facility can use an AI-powered NLP system to model potential cyber-physical attack vectors and suggest defenses.</a:t>
+              <a:t>A water treatment facility can use an AI-powered NLP system to model potential cyber-physical attacks and suggest defenses.</a:t>
             </a:r>
             <a:endParaRPr lang="en-US" altLang="en-GB"/>
           </a:p>
